--- a/resources/gifs/SPR_animations.pptx
+++ b/resources/gifs/SPR_animations.pptx
@@ -17,6 +17,8 @@
     <p:sldId id="266" r:id="rId11"/>
     <p:sldId id="267" r:id="rId12"/>
     <p:sldId id="268" r:id="rId13"/>
+    <p:sldId id="269" r:id="rId14"/>
+    <p:sldId id="270" r:id="rId15"/>
   </p:sldIdLst>
   <p:sldSz cx="4572000" cy="2743200"/>
   <p:notesSz cx="6858000" cy="9144000"/>
@@ -115,6 +117,11 @@
       </a:defRPr>
     </a:lvl9pPr>
   </p:defaultTextStyle>
+  <p:extLst>
+    <p:ext uri="{EFAFB233-063F-42B5-8137-9DF3F51BA10A}">
+      <p15:sldGuideLst xmlns:p15="http://schemas.microsoft.com/office/powerpoint/2012/main"/>
+    </p:ext>
+  </p:extLst>
 </p:presentation>
 </file>
 
@@ -249,7 +256,7 @@
           <a:p>
             <a:fld id="{6B1BD8BE-0EBB-42AB-B32B-93F697908886}" type="datetimeFigureOut">
               <a:rPr lang="en-US" smtClean="0"/>
-              <a:t>7/15/2021</a:t>
+              <a:t>9/30/2021</a:t>
             </a:fld>
             <a:endParaRPr lang="en-US"/>
           </a:p>
@@ -419,7 +426,7 @@
           <a:p>
             <a:fld id="{6B1BD8BE-0EBB-42AB-B32B-93F697908886}" type="datetimeFigureOut">
               <a:rPr lang="en-US" smtClean="0"/>
-              <a:t>7/15/2021</a:t>
+              <a:t>9/30/2021</a:t>
             </a:fld>
             <a:endParaRPr lang="en-US"/>
           </a:p>
@@ -599,7 +606,7 @@
           <a:p>
             <a:fld id="{6B1BD8BE-0EBB-42AB-B32B-93F697908886}" type="datetimeFigureOut">
               <a:rPr lang="en-US" smtClean="0"/>
-              <a:t>7/15/2021</a:t>
+              <a:t>9/30/2021</a:t>
             </a:fld>
             <a:endParaRPr lang="en-US"/>
           </a:p>
@@ -769,7 +776,7 @@
           <a:p>
             <a:fld id="{6B1BD8BE-0EBB-42AB-B32B-93F697908886}" type="datetimeFigureOut">
               <a:rPr lang="en-US" smtClean="0"/>
-              <a:t>7/15/2021</a:t>
+              <a:t>9/30/2021</a:t>
             </a:fld>
             <a:endParaRPr lang="en-US"/>
           </a:p>
@@ -1015,7 +1022,7 @@
           <a:p>
             <a:fld id="{6B1BD8BE-0EBB-42AB-B32B-93F697908886}" type="datetimeFigureOut">
               <a:rPr lang="en-US" smtClean="0"/>
-              <a:t>7/15/2021</a:t>
+              <a:t>9/30/2021</a:t>
             </a:fld>
             <a:endParaRPr lang="en-US"/>
           </a:p>
@@ -1247,7 +1254,7 @@
           <a:p>
             <a:fld id="{6B1BD8BE-0EBB-42AB-B32B-93F697908886}" type="datetimeFigureOut">
               <a:rPr lang="en-US" smtClean="0"/>
-              <a:t>7/15/2021</a:t>
+              <a:t>9/30/2021</a:t>
             </a:fld>
             <a:endParaRPr lang="en-US"/>
           </a:p>
@@ -1614,7 +1621,7 @@
           <a:p>
             <a:fld id="{6B1BD8BE-0EBB-42AB-B32B-93F697908886}" type="datetimeFigureOut">
               <a:rPr lang="en-US" smtClean="0"/>
-              <a:t>7/15/2021</a:t>
+              <a:t>9/30/2021</a:t>
             </a:fld>
             <a:endParaRPr lang="en-US"/>
           </a:p>
@@ -1732,7 +1739,7 @@
           <a:p>
             <a:fld id="{6B1BD8BE-0EBB-42AB-B32B-93F697908886}" type="datetimeFigureOut">
               <a:rPr lang="en-US" smtClean="0"/>
-              <a:t>7/15/2021</a:t>
+              <a:t>9/30/2021</a:t>
             </a:fld>
             <a:endParaRPr lang="en-US"/>
           </a:p>
@@ -1827,7 +1834,7 @@
           <a:p>
             <a:fld id="{6B1BD8BE-0EBB-42AB-B32B-93F697908886}" type="datetimeFigureOut">
               <a:rPr lang="en-US" smtClean="0"/>
-              <a:t>7/15/2021</a:t>
+              <a:t>9/30/2021</a:t>
             </a:fld>
             <a:endParaRPr lang="en-US"/>
           </a:p>
@@ -2104,7 +2111,7 @@
           <a:p>
             <a:fld id="{6B1BD8BE-0EBB-42AB-B32B-93F697908886}" type="datetimeFigureOut">
               <a:rPr lang="en-US" smtClean="0"/>
-              <a:t>7/15/2021</a:t>
+              <a:t>9/30/2021</a:t>
             </a:fld>
             <a:endParaRPr lang="en-US"/>
           </a:p>
@@ -2361,7 +2368,7 @@
           <a:p>
             <a:fld id="{6B1BD8BE-0EBB-42AB-B32B-93F697908886}" type="datetimeFigureOut">
               <a:rPr lang="en-US" smtClean="0"/>
-              <a:t>7/15/2021</a:t>
+              <a:t>9/30/2021</a:t>
             </a:fld>
             <a:endParaRPr lang="en-US"/>
           </a:p>
@@ -2574,7 +2581,7 @@
           <a:p>
             <a:fld id="{6B1BD8BE-0EBB-42AB-B32B-93F697908886}" type="datetimeFigureOut">
               <a:rPr lang="en-US" smtClean="0"/>
-              <a:t>7/15/2021</a:t>
+              <a:t>9/30/2021</a:t>
             </a:fld>
             <a:endParaRPr lang="en-US"/>
           </a:p>
@@ -3224,11 +3231,11 @@
   <p:clrMapOvr>
     <a:masterClrMapping/>
   </p:clrMapOvr>
-  <mc:AlternateContent xmlns:mc="http://schemas.openxmlformats.org/markup-compatibility/2006">
-    <mc:Choice xmlns:p14="http://schemas.microsoft.com/office/powerpoint/2010/main" Requires="p14">
+  <mc:AlternateContent xmlns:mc="http://schemas.openxmlformats.org/markup-compatibility/2006" xmlns:p14="http://schemas.microsoft.com/office/powerpoint/2010/main">
+    <mc:Choice Requires="p14">
       <p:transition spd="slow" p14:dur="2000" advClick="0" advTm="1500"/>
     </mc:Choice>
-    <mc:Fallback>
+    <mc:Fallback xmlns="">
       <p:transition spd="slow" advClick="0" advTm="1500"/>
     </mc:Fallback>
   </mc:AlternateContent>
@@ -3497,11 +3504,11 @@
   <p:clrMapOvr>
     <a:masterClrMapping/>
   </p:clrMapOvr>
-  <mc:AlternateContent xmlns:mc="http://schemas.openxmlformats.org/markup-compatibility/2006">
-    <mc:Choice xmlns:p14="http://schemas.microsoft.com/office/powerpoint/2010/main" Requires="p14">
+  <mc:AlternateContent xmlns:mc="http://schemas.openxmlformats.org/markup-compatibility/2006" xmlns:p14="http://schemas.microsoft.com/office/powerpoint/2010/main">
+    <mc:Choice Requires="p14">
       <p:transition spd="slow" p14:dur="2000" advClick="0" advTm="500"/>
     </mc:Choice>
-    <mc:Fallback>
+    <mc:Fallback xmlns="">
       <p:transition spd="slow" advClick="0" advTm="500"/>
     </mc:Fallback>
   </mc:AlternateContent>
@@ -3824,11 +3831,11 @@
   <p:clrMapOvr>
     <a:masterClrMapping/>
   </p:clrMapOvr>
-  <mc:AlternateContent xmlns:mc="http://schemas.openxmlformats.org/markup-compatibility/2006">
-    <mc:Choice xmlns:p14="http://schemas.microsoft.com/office/powerpoint/2010/main" Requires="p14">
+  <mc:AlternateContent xmlns:mc="http://schemas.openxmlformats.org/markup-compatibility/2006" xmlns:p14="http://schemas.microsoft.com/office/powerpoint/2010/main">
+    <mc:Choice Requires="p14">
       <p:transition spd="slow" p14:dur="2000" advClick="0" advTm="2000"/>
     </mc:Choice>
-    <mc:Fallback>
+    <mc:Fallback xmlns="">
       <p:transition spd="slow" advClick="0" advTm="2000"/>
     </mc:Fallback>
   </mc:AlternateContent>
@@ -4097,14 +4104,513 @@
   <p:clrMapOvr>
     <a:masterClrMapping/>
   </p:clrMapOvr>
-  <mc:AlternateContent xmlns:mc="http://schemas.openxmlformats.org/markup-compatibility/2006">
-    <mc:Choice xmlns:p14="http://schemas.microsoft.com/office/powerpoint/2010/main" Requires="p14">
+  <mc:AlternateContent xmlns:mc="http://schemas.openxmlformats.org/markup-compatibility/2006" xmlns:p14="http://schemas.microsoft.com/office/powerpoint/2010/main">
+    <mc:Choice Requires="p14">
       <p:transition spd="slow" p14:dur="2000" advClick="0" advTm="500"/>
     </mc:Choice>
-    <mc:Fallback>
+    <mc:Fallback xmlns="">
       <p:transition spd="slow" advClick="0" advTm="500"/>
     </mc:Fallback>
   </mc:AlternateContent>
+</p:sld>
+</file>
+
+<file path=ppt/slides/slide13.xml><?xml version="1.0" encoding="utf-8"?>
+<p:sld xmlns:a="http://schemas.openxmlformats.org/drawingml/2006/main" xmlns:r="http://schemas.openxmlformats.org/officeDocument/2006/relationships" xmlns:p="http://schemas.openxmlformats.org/presentationml/2006/main">
+  <p:cSld>
+    <p:spTree>
+      <p:nvGrpSpPr>
+        <p:cNvPr id="1" name=""/>
+        <p:cNvGrpSpPr/>
+        <p:nvPr/>
+      </p:nvGrpSpPr>
+      <p:grpSpPr>
+        <a:xfrm>
+          <a:off x="0" y="0"/>
+          <a:ext cx="0" cy="0"/>
+          <a:chOff x="0" y="0"/>
+          <a:chExt cx="0" cy="0"/>
+        </a:xfrm>
+      </p:grpSpPr>
+      <p:sp>
+        <p:nvSpPr>
+          <p:cNvPr id="3" name="Content Placeholder 2">
+            <a:extLst>
+              <a:ext uri="{FF2B5EF4-FFF2-40B4-BE49-F238E27FC236}">
+                <a16:creationId xmlns:a16="http://schemas.microsoft.com/office/drawing/2014/main" id="{A93F3935-3D1B-423A-9A43-D11D247F4B74}"/>
+              </a:ext>
+            </a:extLst>
+          </p:cNvPr>
+          <p:cNvSpPr>
+            <a:spLocks noGrp="1"/>
+          </p:cNvSpPr>
+          <p:nvPr>
+            <p:ph idx="1"/>
+          </p:nvPr>
+        </p:nvSpPr>
+        <p:spPr/>
+        <p:txBody>
+          <a:bodyPr>
+            <a:normAutofit/>
+          </a:bodyPr>
+          <a:lstStyle/>
+          <a:p>
+            <a:pPr marL="914400" indent="0">
+              <a:buNone/>
+            </a:pPr>
+            <a:r>
+              <a:rPr lang="zh-CN" altLang="en-US" sz="1400" dirty="0"/>
+              <a:t>甲：你怎么没来上课？</a:t>
+            </a:r>
+            <a:endParaRPr lang="en-SG" altLang="zh-CN" sz="1400" dirty="0"/>
+          </a:p>
+          <a:p>
+            <a:pPr marL="914400" indent="0">
+              <a:buNone/>
+            </a:pPr>
+            <a:r>
+              <a:rPr lang="zh-CN" altLang="en-US" sz="1400" dirty="0"/>
+              <a:t>乙：</a:t>
+            </a:r>
+            <a:r>
+              <a:rPr lang="zh-CN" altLang="en-US" sz="1400" b="1" u="sng" dirty="0"/>
+              <a:t>了我生病。</a:t>
+            </a:r>
+            <a:endParaRPr lang="en-SG" altLang="zh-CN" sz="1400" b="1" u="sng" dirty="0"/>
+          </a:p>
+          <a:p>
+            <a:pPr marL="914400" indent="0">
+              <a:buNone/>
+            </a:pPr>
+            <a:endParaRPr lang="en-SG" sz="1400" dirty="0"/>
+          </a:p>
+          <a:p>
+            <a:pPr marL="914400" indent="0">
+              <a:buNone/>
+            </a:pPr>
+            <a:r>
+              <a:rPr lang="zh-CN" altLang="en-US" sz="1400" dirty="0"/>
+              <a:t>以上句子能不能理解为：</a:t>
+            </a:r>
+            <a:endParaRPr lang="en-SG" altLang="zh-CN" sz="1400" dirty="0"/>
+          </a:p>
+          <a:p>
+            <a:pPr marL="914400" indent="0">
+              <a:buNone/>
+            </a:pPr>
+            <a:r>
+              <a:rPr lang="zh-CN" altLang="en-US" sz="1400" dirty="0"/>
+              <a:t>“</a:t>
+            </a:r>
+            <a:r>
+              <a:rPr lang="zh-CN" altLang="en-US" sz="1400" u="sng" dirty="0"/>
+              <a:t>我生病了。</a:t>
+            </a:r>
+            <a:r>
+              <a:rPr lang="zh-CN" altLang="en-US" sz="1400" dirty="0"/>
+              <a:t>”</a:t>
+            </a:r>
+            <a:endParaRPr lang="en-SG" altLang="zh-CN" sz="1400" dirty="0"/>
+          </a:p>
+          <a:p>
+            <a:pPr marL="914400" indent="0">
+              <a:buNone/>
+            </a:pPr>
+            <a:endParaRPr lang="en-SG" sz="1400" dirty="0"/>
+          </a:p>
+        </p:txBody>
+      </p:sp>
+      <p:pic>
+        <p:nvPicPr>
+          <p:cNvPr id="4" name="Picture 3">
+            <a:extLst>
+              <a:ext uri="{FF2B5EF4-FFF2-40B4-BE49-F238E27FC236}">
+                <a16:creationId xmlns:a16="http://schemas.microsoft.com/office/drawing/2014/main" id="{C8A5D4B1-103E-4278-BC74-6D7567A19D5F}"/>
+              </a:ext>
+            </a:extLst>
+          </p:cNvPr>
+          <p:cNvPicPr>
+            <a:picLocks noChangeAspect="1"/>
+          </p:cNvPicPr>
+          <p:nvPr/>
+        </p:nvPicPr>
+        <p:blipFill rotWithShape="1">
+          <a:blip r:embed="rId2">
+            <a:extLst>
+              <a:ext uri="{28A0092B-C50C-407E-A947-70E740481C1C}">
+                <a14:useLocalDpi xmlns:a14="http://schemas.microsoft.com/office/drawing/2010/main" val="0"/>
+              </a:ext>
+            </a:extLst>
+          </a:blip>
+          <a:srcRect t="47812"/>
+          <a:stretch/>
+        </p:blipFill>
+        <p:spPr>
+          <a:xfrm>
+            <a:off x="0" y="2070970"/>
+            <a:ext cx="4572000" cy="530226"/>
+          </a:xfrm>
+          <a:prstGeom prst="rect">
+            <a:avLst/>
+          </a:prstGeom>
+        </p:spPr>
+      </p:pic>
+      <p:sp>
+        <p:nvSpPr>
+          <p:cNvPr id="8" name="TextBox 7">
+            <a:extLst>
+              <a:ext uri="{FF2B5EF4-FFF2-40B4-BE49-F238E27FC236}">
+                <a16:creationId xmlns:a16="http://schemas.microsoft.com/office/drawing/2014/main" id="{7988A600-52CE-410E-87CC-7C5777A6F410}"/>
+              </a:ext>
+            </a:extLst>
+          </p:cNvPr>
+          <p:cNvSpPr txBox="1"/>
+          <p:nvPr/>
+        </p:nvSpPr>
+        <p:spPr>
+          <a:xfrm>
+            <a:off x="3932728" y="2212971"/>
+            <a:ext cx="639271" cy="246221"/>
+          </a:xfrm>
+          <a:prstGeom prst="rect">
+            <a:avLst/>
+          </a:prstGeom>
+          <a:solidFill>
+            <a:schemeClr val="bg1"/>
+          </a:solidFill>
+        </p:spPr>
+        <p:txBody>
+          <a:bodyPr wrap="square" rtlCol="0">
+            <a:spAutoFit/>
+          </a:bodyPr>
+          <a:lstStyle/>
+          <a:p>
+            <a:r>
+              <a:rPr lang="zh-CN" altLang="en-US" sz="1000" dirty="0"/>
+              <a:t>绝对能</a:t>
+            </a:r>
+            <a:endParaRPr lang="en-SG" sz="1000" dirty="0"/>
+          </a:p>
+        </p:txBody>
+      </p:sp>
+      <p:sp>
+        <p:nvSpPr>
+          <p:cNvPr id="9" name="TextBox 8">
+            <a:extLst>
+              <a:ext uri="{FF2B5EF4-FFF2-40B4-BE49-F238E27FC236}">
+                <a16:creationId xmlns:a16="http://schemas.microsoft.com/office/drawing/2014/main" id="{9CC2DBDC-17BB-4210-978D-53223469CDD6}"/>
+              </a:ext>
+            </a:extLst>
+          </p:cNvPr>
+          <p:cNvSpPr txBox="1"/>
+          <p:nvPr/>
+        </p:nvSpPr>
+        <p:spPr>
+          <a:xfrm>
+            <a:off x="0" y="2212971"/>
+            <a:ext cx="735742" cy="246221"/>
+          </a:xfrm>
+          <a:prstGeom prst="rect">
+            <a:avLst/>
+          </a:prstGeom>
+          <a:solidFill>
+            <a:schemeClr val="bg1"/>
+          </a:solidFill>
+        </p:spPr>
+        <p:txBody>
+          <a:bodyPr wrap="square" rtlCol="0">
+            <a:spAutoFit/>
+          </a:bodyPr>
+          <a:lstStyle/>
+          <a:p>
+            <a:pPr algn="r"/>
+            <a:r>
+              <a:rPr lang="zh-CN" altLang="en-US" sz="1000" dirty="0"/>
+              <a:t>绝对不能</a:t>
+            </a:r>
+            <a:endParaRPr lang="en-SG" sz="1000" dirty="0"/>
+          </a:p>
+        </p:txBody>
+      </p:sp>
+    </p:spTree>
+    <p:extLst>
+      <p:ext uri="{BB962C8B-B14F-4D97-AF65-F5344CB8AC3E}">
+        <p14:creationId xmlns:p14="http://schemas.microsoft.com/office/powerpoint/2010/main" val="935637631"/>
+      </p:ext>
+    </p:extLst>
+  </p:cSld>
+  <p:clrMapOvr>
+    <a:masterClrMapping/>
+  </p:clrMapOvr>
+</p:sld>
+</file>
+
+<file path=ppt/slides/slide14.xml><?xml version="1.0" encoding="utf-8"?>
+<p:sld xmlns:a="http://schemas.openxmlformats.org/drawingml/2006/main" xmlns:r="http://schemas.openxmlformats.org/officeDocument/2006/relationships" xmlns:p="http://schemas.openxmlformats.org/presentationml/2006/main">
+  <p:cSld>
+    <p:spTree>
+      <p:nvGrpSpPr>
+        <p:cNvPr id="1" name=""/>
+        <p:cNvGrpSpPr/>
+        <p:nvPr/>
+      </p:nvGrpSpPr>
+      <p:grpSpPr>
+        <a:xfrm>
+          <a:off x="0" y="0"/>
+          <a:ext cx="0" cy="0"/>
+          <a:chOff x="0" y="0"/>
+          <a:chExt cx="0" cy="0"/>
+        </a:xfrm>
+      </p:grpSpPr>
+      <p:sp>
+        <p:nvSpPr>
+          <p:cNvPr id="3" name="Content Placeholder 2">
+            <a:extLst>
+              <a:ext uri="{FF2B5EF4-FFF2-40B4-BE49-F238E27FC236}">
+                <a16:creationId xmlns:a16="http://schemas.microsoft.com/office/drawing/2014/main" id="{84A8CF54-B2EA-4A7B-A91D-330BEA7D9D26}"/>
+              </a:ext>
+            </a:extLst>
+          </p:cNvPr>
+          <p:cNvSpPr>
+            <a:spLocks noGrp="1"/>
+          </p:cNvSpPr>
+          <p:nvPr>
+            <p:ph idx="1"/>
+          </p:nvPr>
+        </p:nvSpPr>
+        <p:spPr/>
+        <p:txBody>
+          <a:bodyPr/>
+          <a:lstStyle/>
+          <a:p>
+            <a:pPr marL="914400" indent="0">
+              <a:buNone/>
+            </a:pPr>
+            <a:r>
+              <a:rPr lang="zh-CN" altLang="en-US" sz="1400" dirty="0"/>
+              <a:t>甲：你今晚在家吗？</a:t>
+            </a:r>
+            <a:endParaRPr lang="en-SG" altLang="zh-CN" sz="1400" dirty="0"/>
+          </a:p>
+          <a:p>
+            <a:pPr marL="914400" indent="0">
+              <a:buNone/>
+            </a:pPr>
+            <a:r>
+              <a:rPr lang="zh-CN" altLang="en-US" sz="1400" dirty="0"/>
+              <a:t>乙：</a:t>
+            </a:r>
+            <a:r>
+              <a:rPr lang="zh-CN" altLang="en-US" sz="1400" b="1" u="sng" dirty="0"/>
+              <a:t>我今晚不在家。</a:t>
+            </a:r>
+            <a:endParaRPr lang="en-SG" altLang="zh-CN" sz="1400" b="1" u="sng" dirty="0"/>
+          </a:p>
+          <a:p>
+            <a:pPr marL="914400" indent="0">
+              <a:buNone/>
+            </a:pPr>
+            <a:endParaRPr lang="en-SG" sz="1400" dirty="0"/>
+          </a:p>
+          <a:p>
+            <a:pPr marL="914400" indent="0">
+              <a:buNone/>
+            </a:pPr>
+            <a:r>
+              <a:rPr lang="zh-CN" altLang="en-US" sz="1400" dirty="0"/>
+              <a:t>以上句子能不能理解为：</a:t>
+            </a:r>
+            <a:endParaRPr lang="en-SG" altLang="zh-CN" sz="1400" dirty="0"/>
+          </a:p>
+          <a:p>
+            <a:pPr marL="914400" indent="0">
+              <a:buNone/>
+            </a:pPr>
+            <a:r>
+              <a:rPr lang="zh-CN" altLang="en-US" sz="1400" dirty="0"/>
+              <a:t>“</a:t>
+            </a:r>
+            <a:r>
+              <a:rPr lang="zh-CN" altLang="en-US" sz="1400" u="sng" dirty="0"/>
+              <a:t>今晚我不在家。</a:t>
+            </a:r>
+            <a:r>
+              <a:rPr lang="zh-CN" altLang="en-US" sz="1400" dirty="0"/>
+              <a:t>”</a:t>
+            </a:r>
+            <a:endParaRPr lang="en-SG" altLang="zh-CN" sz="1400" dirty="0"/>
+          </a:p>
+          <a:p>
+            <a:pPr marL="0" indent="0">
+              <a:buNone/>
+            </a:pPr>
+            <a:endParaRPr lang="en-SG" dirty="0"/>
+          </a:p>
+          <a:p>
+            <a:pPr marL="0" indent="0">
+              <a:buNone/>
+            </a:pPr>
+            <a:endParaRPr lang="en-SG" dirty="0"/>
+          </a:p>
+        </p:txBody>
+      </p:sp>
+      <p:pic>
+        <p:nvPicPr>
+          <p:cNvPr id="11" name="Picture 10">
+            <a:extLst>
+              <a:ext uri="{FF2B5EF4-FFF2-40B4-BE49-F238E27FC236}">
+                <a16:creationId xmlns:a16="http://schemas.microsoft.com/office/drawing/2014/main" id="{76EF3D30-DEBE-4066-A521-8ABAADAED3C9}"/>
+              </a:ext>
+            </a:extLst>
+          </p:cNvPr>
+          <p:cNvPicPr>
+            <a:picLocks noChangeAspect="1"/>
+          </p:cNvPicPr>
+          <p:nvPr/>
+        </p:nvPicPr>
+        <p:blipFill rotWithShape="1">
+          <a:blip r:embed="rId2">
+            <a:extLst>
+              <a:ext uri="{28A0092B-C50C-407E-A947-70E740481C1C}">
+                <a14:useLocalDpi xmlns:a14="http://schemas.microsoft.com/office/drawing/2010/main" val="0"/>
+              </a:ext>
+            </a:extLst>
+          </a:blip>
+          <a:srcRect t="39339"/>
+          <a:stretch/>
+        </p:blipFill>
+        <p:spPr>
+          <a:xfrm>
+            <a:off x="-12138" y="2132252"/>
+            <a:ext cx="4572000" cy="477430"/>
+          </a:xfrm>
+          <a:prstGeom prst="rect">
+            <a:avLst/>
+          </a:prstGeom>
+        </p:spPr>
+      </p:pic>
+      <p:sp>
+        <p:nvSpPr>
+          <p:cNvPr id="12" name="TextBox 11">
+            <a:extLst>
+              <a:ext uri="{FF2B5EF4-FFF2-40B4-BE49-F238E27FC236}">
+                <a16:creationId xmlns:a16="http://schemas.microsoft.com/office/drawing/2014/main" id="{76BBA5F6-F983-4DA2-957F-F100504E056F}"/>
+              </a:ext>
+            </a:extLst>
+          </p:cNvPr>
+          <p:cNvSpPr txBox="1"/>
+          <p:nvPr/>
+        </p:nvSpPr>
+        <p:spPr>
+          <a:xfrm>
+            <a:off x="3932728" y="2212971"/>
+            <a:ext cx="639271" cy="246221"/>
+          </a:xfrm>
+          <a:prstGeom prst="rect">
+            <a:avLst/>
+          </a:prstGeom>
+          <a:solidFill>
+            <a:schemeClr val="bg1"/>
+          </a:solidFill>
+        </p:spPr>
+        <p:txBody>
+          <a:bodyPr wrap="square" rtlCol="0">
+            <a:spAutoFit/>
+          </a:bodyPr>
+          <a:lstStyle/>
+          <a:p>
+            <a:r>
+              <a:rPr lang="zh-CN" altLang="en-US" sz="1000" dirty="0"/>
+              <a:t>绝对能</a:t>
+            </a:r>
+            <a:endParaRPr lang="en-SG" sz="1000" dirty="0"/>
+          </a:p>
+        </p:txBody>
+      </p:sp>
+      <p:sp>
+        <p:nvSpPr>
+          <p:cNvPr id="13" name="TextBox 12">
+            <a:extLst>
+              <a:ext uri="{FF2B5EF4-FFF2-40B4-BE49-F238E27FC236}">
+                <a16:creationId xmlns:a16="http://schemas.microsoft.com/office/drawing/2014/main" id="{1238B9F6-E763-4FC6-84D1-CAB785670C64}"/>
+              </a:ext>
+            </a:extLst>
+          </p:cNvPr>
+          <p:cNvSpPr txBox="1"/>
+          <p:nvPr/>
+        </p:nvSpPr>
+        <p:spPr>
+          <a:xfrm>
+            <a:off x="0" y="2212971"/>
+            <a:ext cx="735742" cy="246221"/>
+          </a:xfrm>
+          <a:prstGeom prst="rect">
+            <a:avLst/>
+          </a:prstGeom>
+          <a:solidFill>
+            <a:schemeClr val="bg1"/>
+          </a:solidFill>
+        </p:spPr>
+        <p:txBody>
+          <a:bodyPr wrap="square" rtlCol="0">
+            <a:spAutoFit/>
+          </a:bodyPr>
+          <a:lstStyle/>
+          <a:p>
+            <a:pPr algn="r"/>
+            <a:r>
+              <a:rPr lang="zh-CN" altLang="en-US" sz="1000" dirty="0"/>
+              <a:t>绝对不能</a:t>
+            </a:r>
+            <a:endParaRPr lang="en-SG" sz="1000" dirty="0"/>
+          </a:p>
+        </p:txBody>
+      </p:sp>
+      <p:pic>
+        <p:nvPicPr>
+          <p:cNvPr id="14" name="Picture 13">
+            <a:extLst>
+              <a:ext uri="{FF2B5EF4-FFF2-40B4-BE49-F238E27FC236}">
+                <a16:creationId xmlns:a16="http://schemas.microsoft.com/office/drawing/2014/main" id="{E3DC375B-4C23-450E-A410-803A423BDDB4}"/>
+              </a:ext>
+            </a:extLst>
+          </p:cNvPr>
+          <p:cNvPicPr>
+            <a:picLocks noChangeAspect="1"/>
+          </p:cNvPicPr>
+          <p:nvPr/>
+        </p:nvPicPr>
+        <p:blipFill rotWithShape="1">
+          <a:blip r:embed="rId2">
+            <a:extLst>
+              <a:ext uri="{28A0092B-C50C-407E-A947-70E740481C1C}">
+                <a14:useLocalDpi xmlns:a14="http://schemas.microsoft.com/office/drawing/2010/main" val="0"/>
+              </a:ext>
+            </a:extLst>
+          </a:blip>
+          <a:srcRect l="15162" t="39339" r="53068"/>
+          <a:stretch/>
+        </p:blipFill>
+        <p:spPr>
+          <a:xfrm>
+            <a:off x="683777" y="2123792"/>
+            <a:ext cx="1452520" cy="477430"/>
+          </a:xfrm>
+          <a:prstGeom prst="rect">
+            <a:avLst/>
+          </a:prstGeom>
+        </p:spPr>
+      </p:pic>
+    </p:spTree>
+    <p:extLst>
+      <p:ext uri="{BB962C8B-B14F-4D97-AF65-F5344CB8AC3E}">
+        <p14:creationId xmlns:p14="http://schemas.microsoft.com/office/powerpoint/2010/main" val="2037356717"/>
+      </p:ext>
+    </p:extLst>
+  </p:cSld>
+  <p:clrMapOvr>
+    <a:masterClrMapping/>
+  </p:clrMapOvr>
 </p:sld>
 </file>
 
@@ -4370,11 +4876,11 @@
   <p:clrMapOvr>
     <a:masterClrMapping/>
   </p:clrMapOvr>
-  <mc:AlternateContent xmlns:mc="http://schemas.openxmlformats.org/markup-compatibility/2006">
-    <mc:Choice xmlns:p14="http://schemas.microsoft.com/office/powerpoint/2010/main" Requires="p14">
+  <mc:AlternateContent xmlns:mc="http://schemas.openxmlformats.org/markup-compatibility/2006" xmlns:p14="http://schemas.microsoft.com/office/powerpoint/2010/main">
+    <mc:Choice Requires="p14">
       <p:transition spd="slow" p14:dur="2000" advClick="0" advTm="500"/>
     </mc:Choice>
-    <mc:Fallback>
+    <mc:Fallback xmlns="">
       <p:transition spd="slow" advClick="0" advTm="500"/>
     </mc:Fallback>
   </mc:AlternateContent>
@@ -4643,11 +5149,11 @@
   <p:clrMapOvr>
     <a:masterClrMapping/>
   </p:clrMapOvr>
-  <mc:AlternateContent xmlns:mc="http://schemas.openxmlformats.org/markup-compatibility/2006">
-    <mc:Choice xmlns:p14="http://schemas.microsoft.com/office/powerpoint/2010/main" Requires="p14">
+  <mc:AlternateContent xmlns:mc="http://schemas.openxmlformats.org/markup-compatibility/2006" xmlns:p14="http://schemas.microsoft.com/office/powerpoint/2010/main">
+    <mc:Choice Requires="p14">
       <p:transition spd="slow" p14:dur="2000" advClick="0" advTm="1500"/>
     </mc:Choice>
-    <mc:Fallback>
+    <mc:Fallback xmlns="">
       <p:transition spd="slow" advClick="0" advTm="1500"/>
     </mc:Fallback>
   </mc:AlternateContent>
@@ -4916,11 +5422,11 @@
   <p:clrMapOvr>
     <a:masterClrMapping/>
   </p:clrMapOvr>
-  <mc:AlternateContent xmlns:mc="http://schemas.openxmlformats.org/markup-compatibility/2006">
-    <mc:Choice xmlns:p14="http://schemas.microsoft.com/office/powerpoint/2010/main" Requires="p14">
+  <mc:AlternateContent xmlns:mc="http://schemas.openxmlformats.org/markup-compatibility/2006" xmlns:p14="http://schemas.microsoft.com/office/powerpoint/2010/main">
+    <mc:Choice Requires="p14">
       <p:transition spd="slow" p14:dur="2000" advClick="0" advTm="500"/>
     </mc:Choice>
-    <mc:Fallback>
+    <mc:Fallback xmlns="">
       <p:transition spd="slow" advClick="0" advTm="500"/>
     </mc:Fallback>
   </mc:AlternateContent>
@@ -5189,11 +5695,11 @@
   <p:clrMapOvr>
     <a:masterClrMapping/>
   </p:clrMapOvr>
-  <mc:AlternateContent xmlns:mc="http://schemas.openxmlformats.org/markup-compatibility/2006">
-    <mc:Choice xmlns:p14="http://schemas.microsoft.com/office/powerpoint/2010/main" Requires="p14">
+  <mc:AlternateContent xmlns:mc="http://schemas.openxmlformats.org/markup-compatibility/2006" xmlns:p14="http://schemas.microsoft.com/office/powerpoint/2010/main">
+    <mc:Choice Requires="p14">
       <p:transition spd="slow" p14:dur="2000" advClick="0" advTm="1500"/>
     </mc:Choice>
-    <mc:Fallback>
+    <mc:Fallback xmlns="">
       <p:transition spd="slow" advClick="0" advTm="1500"/>
     </mc:Fallback>
   </mc:AlternateContent>
@@ -5462,11 +5968,11 @@
   <p:clrMapOvr>
     <a:masterClrMapping/>
   </p:clrMapOvr>
-  <mc:AlternateContent xmlns:mc="http://schemas.openxmlformats.org/markup-compatibility/2006">
-    <mc:Choice xmlns:p14="http://schemas.microsoft.com/office/powerpoint/2010/main" Requires="p14">
+  <mc:AlternateContent xmlns:mc="http://schemas.openxmlformats.org/markup-compatibility/2006" xmlns:p14="http://schemas.microsoft.com/office/powerpoint/2010/main">
+    <mc:Choice Requires="p14">
       <p:transition spd="slow" p14:dur="2000" advClick="0" advTm="500"/>
     </mc:Choice>
-    <mc:Fallback>
+    <mc:Fallback xmlns="">
       <p:transition spd="slow" advClick="0" advTm="500"/>
     </mc:Fallback>
   </mc:AlternateContent>
@@ -5735,11 +6241,11 @@
   <p:clrMapOvr>
     <a:masterClrMapping/>
   </p:clrMapOvr>
-  <mc:AlternateContent xmlns:mc="http://schemas.openxmlformats.org/markup-compatibility/2006">
-    <mc:Choice xmlns:p14="http://schemas.microsoft.com/office/powerpoint/2010/main" Requires="p14">
+  <mc:AlternateContent xmlns:mc="http://schemas.openxmlformats.org/markup-compatibility/2006" xmlns:p14="http://schemas.microsoft.com/office/powerpoint/2010/main">
+    <mc:Choice Requires="p14">
       <p:transition spd="slow" p14:dur="2000" advClick="0" advTm="1500"/>
     </mc:Choice>
-    <mc:Fallback>
+    <mc:Fallback xmlns="">
       <p:transition spd="slow" advClick="0" advTm="1500"/>
     </mc:Fallback>
   </mc:AlternateContent>
@@ -6008,11 +6514,11 @@
   <p:clrMapOvr>
     <a:masterClrMapping/>
   </p:clrMapOvr>
-  <mc:AlternateContent xmlns:mc="http://schemas.openxmlformats.org/markup-compatibility/2006">
-    <mc:Choice xmlns:p14="http://schemas.microsoft.com/office/powerpoint/2010/main" Requires="p14">
+  <mc:AlternateContent xmlns:mc="http://schemas.openxmlformats.org/markup-compatibility/2006" xmlns:p14="http://schemas.microsoft.com/office/powerpoint/2010/main">
+    <mc:Choice Requires="p14">
       <p:transition spd="slow" p14:dur="2000" advClick="0" advTm="500"/>
     </mc:Choice>
-    <mc:Fallback>
+    <mc:Fallback xmlns="">
       <p:transition spd="slow" advClick="0" advTm="500"/>
     </mc:Fallback>
   </mc:AlternateContent>
@@ -6335,11 +6841,11 @@
   <p:clrMapOvr>
     <a:masterClrMapping/>
   </p:clrMapOvr>
-  <mc:AlternateContent xmlns:mc="http://schemas.openxmlformats.org/markup-compatibility/2006">
-    <mc:Choice xmlns:p14="http://schemas.microsoft.com/office/powerpoint/2010/main" Requires="p14">
+  <mc:AlternateContent xmlns:mc="http://schemas.openxmlformats.org/markup-compatibility/2006" xmlns:p14="http://schemas.microsoft.com/office/powerpoint/2010/main">
+    <mc:Choice Requires="p14">
       <p:transition spd="slow" p14:dur="2000" advClick="0" advTm="1500"/>
     </mc:Choice>
-    <mc:Fallback>
+    <mc:Fallback xmlns="">
       <p:transition spd="slow" advClick="0" advTm="1500"/>
     </mc:Fallback>
   </mc:AlternateContent>

--- a/resources/gifs/SPR_animations.pptx
+++ b/resources/gifs/SPR_animations.pptx
@@ -256,7 +256,7 @@
           <a:p>
             <a:fld id="{6B1BD8BE-0EBB-42AB-B32B-93F697908886}" type="datetimeFigureOut">
               <a:rPr lang="en-US" smtClean="0"/>
-              <a:t>9/30/2021</a:t>
+              <a:t>10/1/2021</a:t>
             </a:fld>
             <a:endParaRPr lang="en-US"/>
           </a:p>
@@ -426,7 +426,7 @@
           <a:p>
             <a:fld id="{6B1BD8BE-0EBB-42AB-B32B-93F697908886}" type="datetimeFigureOut">
               <a:rPr lang="en-US" smtClean="0"/>
-              <a:t>9/30/2021</a:t>
+              <a:t>10/1/2021</a:t>
             </a:fld>
             <a:endParaRPr lang="en-US"/>
           </a:p>
@@ -606,7 +606,7 @@
           <a:p>
             <a:fld id="{6B1BD8BE-0EBB-42AB-B32B-93F697908886}" type="datetimeFigureOut">
               <a:rPr lang="en-US" smtClean="0"/>
-              <a:t>9/30/2021</a:t>
+              <a:t>10/1/2021</a:t>
             </a:fld>
             <a:endParaRPr lang="en-US"/>
           </a:p>
@@ -776,7 +776,7 @@
           <a:p>
             <a:fld id="{6B1BD8BE-0EBB-42AB-B32B-93F697908886}" type="datetimeFigureOut">
               <a:rPr lang="en-US" smtClean="0"/>
-              <a:t>9/30/2021</a:t>
+              <a:t>10/1/2021</a:t>
             </a:fld>
             <a:endParaRPr lang="en-US"/>
           </a:p>
@@ -1022,7 +1022,7 @@
           <a:p>
             <a:fld id="{6B1BD8BE-0EBB-42AB-B32B-93F697908886}" type="datetimeFigureOut">
               <a:rPr lang="en-US" smtClean="0"/>
-              <a:t>9/30/2021</a:t>
+              <a:t>10/1/2021</a:t>
             </a:fld>
             <a:endParaRPr lang="en-US"/>
           </a:p>
@@ -1254,7 +1254,7 @@
           <a:p>
             <a:fld id="{6B1BD8BE-0EBB-42AB-B32B-93F697908886}" type="datetimeFigureOut">
               <a:rPr lang="en-US" smtClean="0"/>
-              <a:t>9/30/2021</a:t>
+              <a:t>10/1/2021</a:t>
             </a:fld>
             <a:endParaRPr lang="en-US"/>
           </a:p>
@@ -1621,7 +1621,7 @@
           <a:p>
             <a:fld id="{6B1BD8BE-0EBB-42AB-B32B-93F697908886}" type="datetimeFigureOut">
               <a:rPr lang="en-US" smtClean="0"/>
-              <a:t>9/30/2021</a:t>
+              <a:t>10/1/2021</a:t>
             </a:fld>
             <a:endParaRPr lang="en-US"/>
           </a:p>
@@ -1739,7 +1739,7 @@
           <a:p>
             <a:fld id="{6B1BD8BE-0EBB-42AB-B32B-93F697908886}" type="datetimeFigureOut">
               <a:rPr lang="en-US" smtClean="0"/>
-              <a:t>9/30/2021</a:t>
+              <a:t>10/1/2021</a:t>
             </a:fld>
             <a:endParaRPr lang="en-US"/>
           </a:p>
@@ -1834,7 +1834,7 @@
           <a:p>
             <a:fld id="{6B1BD8BE-0EBB-42AB-B32B-93F697908886}" type="datetimeFigureOut">
               <a:rPr lang="en-US" smtClean="0"/>
-              <a:t>9/30/2021</a:t>
+              <a:t>10/1/2021</a:t>
             </a:fld>
             <a:endParaRPr lang="en-US"/>
           </a:p>
@@ -2111,7 +2111,7 @@
           <a:p>
             <a:fld id="{6B1BD8BE-0EBB-42AB-B32B-93F697908886}" type="datetimeFigureOut">
               <a:rPr lang="en-US" smtClean="0"/>
-              <a:t>9/30/2021</a:t>
+              <a:t>10/1/2021</a:t>
             </a:fld>
             <a:endParaRPr lang="en-US"/>
           </a:p>
@@ -2368,7 +2368,7 @@
           <a:p>
             <a:fld id="{6B1BD8BE-0EBB-42AB-B32B-93F697908886}" type="datetimeFigureOut">
               <a:rPr lang="en-US" smtClean="0"/>
-              <a:t>9/30/2021</a:t>
+              <a:t>10/1/2021</a:t>
             </a:fld>
             <a:endParaRPr lang="en-US"/>
           </a:p>
@@ -2581,7 +2581,7 @@
           <a:p>
             <a:fld id="{6B1BD8BE-0EBB-42AB-B32B-93F697908886}" type="datetimeFigureOut">
               <a:rPr lang="en-US" smtClean="0"/>
-              <a:t>9/30/2021</a:t>
+              <a:t>10/1/2021</a:t>
             </a:fld>
             <a:endParaRPr lang="en-US"/>
           </a:p>
@@ -4174,7 +4174,7 @@
             </a:r>
             <a:r>
               <a:rPr lang="zh-CN" altLang="en-US" sz="1400" b="1" u="sng" dirty="0"/>
-              <a:t>了我生病。</a:t>
+              <a:t>了我病生。</a:t>
             </a:r>
             <a:endParaRPr lang="en-SG" altLang="zh-CN" sz="1400" b="1" u="sng" dirty="0"/>
           </a:p>
@@ -4190,7 +4190,7 @@
             </a:pPr>
             <a:r>
               <a:rPr lang="zh-CN" altLang="en-US" sz="1400" dirty="0"/>
-              <a:t>以上句子能不能理解为：</a:t>
+              <a:t>带有下划线的句子能不能理解为：</a:t>
             </a:r>
             <a:endParaRPr lang="en-SG" altLang="zh-CN" sz="1400" dirty="0"/>
           </a:p>
@@ -4332,6 +4332,42 @@
           </a:p>
         </p:txBody>
       </p:sp>
+      <p:cxnSp>
+        <p:nvCxnSpPr>
+          <p:cNvPr id="5" name="Straight Connector 4">
+            <a:extLst>
+              <a:ext uri="{FF2B5EF4-FFF2-40B4-BE49-F238E27FC236}">
+                <a16:creationId xmlns:a16="http://schemas.microsoft.com/office/drawing/2014/main" id="{AB246EE2-BBA3-4263-A3F6-7E070049C037}"/>
+              </a:ext>
+            </a:extLst>
+          </p:cNvPr>
+          <p:cNvCxnSpPr/>
+          <p:nvPr/>
+        </p:nvCxnSpPr>
+        <p:spPr>
+          <a:xfrm>
+            <a:off x="-315589" y="598811"/>
+            <a:ext cx="5174856" cy="0"/>
+          </a:xfrm>
+          <a:prstGeom prst="line">
+            <a:avLst/>
+          </a:prstGeom>
+        </p:spPr>
+        <p:style>
+          <a:lnRef idx="1">
+            <a:schemeClr val="accent1"/>
+          </a:lnRef>
+          <a:fillRef idx="0">
+            <a:schemeClr val="accent1"/>
+          </a:fillRef>
+          <a:effectRef idx="0">
+            <a:schemeClr val="accent1"/>
+          </a:effectRef>
+          <a:fontRef idx="minor">
+            <a:schemeClr val="tx1"/>
+          </a:fontRef>
+        </p:style>
+      </p:cxnSp>
     </p:spTree>
     <p:extLst>
       <p:ext uri="{BB962C8B-B14F-4D97-AF65-F5344CB8AC3E}">
@@ -4418,7 +4454,7 @@
             </a:pPr>
             <a:r>
               <a:rPr lang="zh-CN" altLang="en-US" sz="1400" dirty="0"/>
-              <a:t>以上句子能不能理解为：</a:t>
+              <a:t>带有下划线的句子能不能理解为：</a:t>
             </a:r>
             <a:endParaRPr lang="en-SG" altLang="zh-CN" sz="1400" dirty="0"/>
           </a:p>
@@ -4601,6 +4637,42 @@
           </a:prstGeom>
         </p:spPr>
       </p:pic>
+      <p:cxnSp>
+        <p:nvCxnSpPr>
+          <p:cNvPr id="7" name="Straight Connector 6">
+            <a:extLst>
+              <a:ext uri="{FF2B5EF4-FFF2-40B4-BE49-F238E27FC236}">
+                <a16:creationId xmlns:a16="http://schemas.microsoft.com/office/drawing/2014/main" id="{F0189C45-53B9-4B0E-AFDA-B21EBAE8C116}"/>
+              </a:ext>
+            </a:extLst>
+          </p:cNvPr>
+          <p:cNvCxnSpPr/>
+          <p:nvPr/>
+        </p:nvCxnSpPr>
+        <p:spPr>
+          <a:xfrm>
+            <a:off x="-315589" y="598811"/>
+            <a:ext cx="5174856" cy="0"/>
+          </a:xfrm>
+          <a:prstGeom prst="line">
+            <a:avLst/>
+          </a:prstGeom>
+        </p:spPr>
+        <p:style>
+          <a:lnRef idx="1">
+            <a:schemeClr val="accent1"/>
+          </a:lnRef>
+          <a:fillRef idx="0">
+            <a:schemeClr val="accent1"/>
+          </a:fillRef>
+          <a:effectRef idx="0">
+            <a:schemeClr val="accent1"/>
+          </a:effectRef>
+          <a:fontRef idx="minor">
+            <a:schemeClr val="tx1"/>
+          </a:fontRef>
+        </p:style>
+      </p:cxnSp>
     </p:spTree>
     <p:extLst>
       <p:ext uri="{BB962C8B-B14F-4D97-AF65-F5344CB8AC3E}">

--- a/resources/gifs/SPR_animations.pptx
+++ b/resources/gifs/SPR_animations.pptx
@@ -19,6 +19,8 @@
     <p:sldId id="268" r:id="rId13"/>
     <p:sldId id="269" r:id="rId14"/>
     <p:sldId id="270" r:id="rId15"/>
+    <p:sldId id="271" r:id="rId16"/>
+    <p:sldId id="272" r:id="rId17"/>
   </p:sldIdLst>
   <p:sldSz cx="4572000" cy="2743200"/>
   <p:notesSz cx="6858000" cy="9144000"/>
@@ -256,7 +258,7 @@
           <a:p>
             <a:fld id="{6B1BD8BE-0EBB-42AB-B32B-93F697908886}" type="datetimeFigureOut">
               <a:rPr lang="en-US" smtClean="0"/>
-              <a:t>10/1/2021</a:t>
+              <a:t>2/15/2022</a:t>
             </a:fld>
             <a:endParaRPr lang="en-US"/>
           </a:p>
@@ -426,7 +428,7 @@
           <a:p>
             <a:fld id="{6B1BD8BE-0EBB-42AB-B32B-93F697908886}" type="datetimeFigureOut">
               <a:rPr lang="en-US" smtClean="0"/>
-              <a:t>10/1/2021</a:t>
+              <a:t>2/15/2022</a:t>
             </a:fld>
             <a:endParaRPr lang="en-US"/>
           </a:p>
@@ -606,7 +608,7 @@
           <a:p>
             <a:fld id="{6B1BD8BE-0EBB-42AB-B32B-93F697908886}" type="datetimeFigureOut">
               <a:rPr lang="en-US" smtClean="0"/>
-              <a:t>10/1/2021</a:t>
+              <a:t>2/15/2022</a:t>
             </a:fld>
             <a:endParaRPr lang="en-US"/>
           </a:p>
@@ -776,7 +778,7 @@
           <a:p>
             <a:fld id="{6B1BD8BE-0EBB-42AB-B32B-93F697908886}" type="datetimeFigureOut">
               <a:rPr lang="en-US" smtClean="0"/>
-              <a:t>10/1/2021</a:t>
+              <a:t>2/15/2022</a:t>
             </a:fld>
             <a:endParaRPr lang="en-US"/>
           </a:p>
@@ -1022,7 +1024,7 @@
           <a:p>
             <a:fld id="{6B1BD8BE-0EBB-42AB-B32B-93F697908886}" type="datetimeFigureOut">
               <a:rPr lang="en-US" smtClean="0"/>
-              <a:t>10/1/2021</a:t>
+              <a:t>2/15/2022</a:t>
             </a:fld>
             <a:endParaRPr lang="en-US"/>
           </a:p>
@@ -1254,7 +1256,7 @@
           <a:p>
             <a:fld id="{6B1BD8BE-0EBB-42AB-B32B-93F697908886}" type="datetimeFigureOut">
               <a:rPr lang="en-US" smtClean="0"/>
-              <a:t>10/1/2021</a:t>
+              <a:t>2/15/2022</a:t>
             </a:fld>
             <a:endParaRPr lang="en-US"/>
           </a:p>
@@ -1621,7 +1623,7 @@
           <a:p>
             <a:fld id="{6B1BD8BE-0EBB-42AB-B32B-93F697908886}" type="datetimeFigureOut">
               <a:rPr lang="en-US" smtClean="0"/>
-              <a:t>10/1/2021</a:t>
+              <a:t>2/15/2022</a:t>
             </a:fld>
             <a:endParaRPr lang="en-US"/>
           </a:p>
@@ -1739,7 +1741,7 @@
           <a:p>
             <a:fld id="{6B1BD8BE-0EBB-42AB-B32B-93F697908886}" type="datetimeFigureOut">
               <a:rPr lang="en-US" smtClean="0"/>
-              <a:t>10/1/2021</a:t>
+              <a:t>2/15/2022</a:t>
             </a:fld>
             <a:endParaRPr lang="en-US"/>
           </a:p>
@@ -1834,7 +1836,7 @@
           <a:p>
             <a:fld id="{6B1BD8BE-0EBB-42AB-B32B-93F697908886}" type="datetimeFigureOut">
               <a:rPr lang="en-US" smtClean="0"/>
-              <a:t>10/1/2021</a:t>
+              <a:t>2/15/2022</a:t>
             </a:fld>
             <a:endParaRPr lang="en-US"/>
           </a:p>
@@ -2111,7 +2113,7 @@
           <a:p>
             <a:fld id="{6B1BD8BE-0EBB-42AB-B32B-93F697908886}" type="datetimeFigureOut">
               <a:rPr lang="en-US" smtClean="0"/>
-              <a:t>10/1/2021</a:t>
+              <a:t>2/15/2022</a:t>
             </a:fld>
             <a:endParaRPr lang="en-US"/>
           </a:p>
@@ -2368,7 +2370,7 @@
           <a:p>
             <a:fld id="{6B1BD8BE-0EBB-42AB-B32B-93F697908886}" type="datetimeFigureOut">
               <a:rPr lang="en-US" smtClean="0"/>
-              <a:t>10/1/2021</a:t>
+              <a:t>2/15/2022</a:t>
             </a:fld>
             <a:endParaRPr lang="en-US"/>
           </a:p>
@@ -2581,7 +2583,7 @@
           <a:p>
             <a:fld id="{6B1BD8BE-0EBB-42AB-B32B-93F697908886}" type="datetimeFigureOut">
               <a:rPr lang="en-US" smtClean="0"/>
-              <a:t>10/1/2021</a:t>
+              <a:t>2/15/2022</a:t>
             </a:fld>
             <a:endParaRPr lang="en-US"/>
           </a:p>
@@ -4686,6 +4688,256 @@
 </p:sld>
 </file>
 
+<file path=ppt/slides/slide15.xml><?xml version="1.0" encoding="utf-8"?>
+<p:sld xmlns:a="http://schemas.openxmlformats.org/drawingml/2006/main" xmlns:r="http://schemas.openxmlformats.org/officeDocument/2006/relationships" xmlns:p="http://schemas.openxmlformats.org/presentationml/2006/main">
+  <p:cSld>
+    <p:spTree>
+      <p:nvGrpSpPr>
+        <p:cNvPr id="1" name=""/>
+        <p:cNvGrpSpPr/>
+        <p:nvPr/>
+      </p:nvGrpSpPr>
+      <p:grpSpPr>
+        <a:xfrm>
+          <a:off x="0" y="0"/>
+          <a:ext cx="0" cy="0"/>
+          <a:chOff x="0" y="0"/>
+          <a:chExt cx="0" cy="0"/>
+        </a:xfrm>
+      </p:grpSpPr>
+      <p:sp>
+        <p:nvSpPr>
+          <p:cNvPr id="2" name="Title 1">
+            <a:extLst>
+              <a:ext uri="{FF2B5EF4-FFF2-40B4-BE49-F238E27FC236}">
+                <a16:creationId xmlns:a16="http://schemas.microsoft.com/office/drawing/2014/main" id="{0A57CD36-C4DA-4C87-9AD5-C6C3B864DD74}"/>
+              </a:ext>
+            </a:extLst>
+          </p:cNvPr>
+          <p:cNvSpPr>
+            <a:spLocks noGrp="1"/>
+          </p:cNvSpPr>
+          <p:nvPr>
+            <p:ph type="title"/>
+          </p:nvPr>
+        </p:nvSpPr>
+        <p:spPr/>
+        <p:txBody>
+          <a:bodyPr/>
+          <a:lstStyle/>
+          <a:p>
+            <a:endParaRPr lang="en-SG"/>
+          </a:p>
+        </p:txBody>
+      </p:sp>
+      <p:sp>
+        <p:nvSpPr>
+          <p:cNvPr id="3" name="Content Placeholder 2">
+            <a:extLst>
+              <a:ext uri="{FF2B5EF4-FFF2-40B4-BE49-F238E27FC236}">
+                <a16:creationId xmlns:a16="http://schemas.microsoft.com/office/drawing/2014/main" id="{9873E0F2-DCA3-4AF6-8709-8C6FDFA832E9}"/>
+              </a:ext>
+            </a:extLst>
+          </p:cNvPr>
+          <p:cNvSpPr>
+            <a:spLocks noGrp="1"/>
+          </p:cNvSpPr>
+          <p:nvPr>
+            <p:ph idx="1"/>
+          </p:nvPr>
+        </p:nvSpPr>
+        <p:spPr/>
+        <p:txBody>
+          <a:bodyPr/>
+          <a:lstStyle/>
+          <a:p>
+            <a:endParaRPr lang="en-SG"/>
+          </a:p>
+        </p:txBody>
+      </p:sp>
+      <p:pic>
+        <p:nvPicPr>
+          <p:cNvPr id="7" name="Picture 6">
+            <a:extLst>
+              <a:ext uri="{FF2B5EF4-FFF2-40B4-BE49-F238E27FC236}">
+                <a16:creationId xmlns:a16="http://schemas.microsoft.com/office/drawing/2014/main" id="{C35B81A4-21E2-4AEE-9D6B-9E4C44A453E0}"/>
+              </a:ext>
+            </a:extLst>
+          </p:cNvPr>
+          <p:cNvPicPr>
+            <a:picLocks noChangeAspect="1"/>
+          </p:cNvPicPr>
+          <p:nvPr/>
+        </p:nvPicPr>
+        <p:blipFill>
+          <a:blip r:embed="rId2"/>
+          <a:stretch>
+            <a:fillRect/>
+          </a:stretch>
+        </p:blipFill>
+        <p:spPr>
+          <a:xfrm>
+            <a:off x="-32368" y="1312405"/>
+            <a:ext cx="4572000" cy="1323879"/>
+          </a:xfrm>
+          <a:prstGeom prst="rect">
+            <a:avLst/>
+          </a:prstGeom>
+        </p:spPr>
+      </p:pic>
+      <p:pic>
+        <p:nvPicPr>
+          <p:cNvPr id="8" name="Picture 7">
+            <a:extLst>
+              <a:ext uri="{FF2B5EF4-FFF2-40B4-BE49-F238E27FC236}">
+                <a16:creationId xmlns:a16="http://schemas.microsoft.com/office/drawing/2014/main" id="{D6BD42EA-E303-4F1B-B4D6-254775D75439}"/>
+              </a:ext>
+            </a:extLst>
+          </p:cNvPr>
+          <p:cNvPicPr>
+            <a:picLocks noChangeAspect="1"/>
+          </p:cNvPicPr>
+          <p:nvPr/>
+        </p:nvPicPr>
+        <p:blipFill>
+          <a:blip r:embed="rId3"/>
+          <a:stretch>
+            <a:fillRect/>
+          </a:stretch>
+        </p:blipFill>
+        <p:spPr>
+          <a:xfrm>
+            <a:off x="0" y="-48651"/>
+            <a:ext cx="4572000" cy="1449852"/>
+          </a:xfrm>
+          <a:prstGeom prst="rect">
+            <a:avLst/>
+          </a:prstGeom>
+        </p:spPr>
+      </p:pic>
+    </p:spTree>
+    <p:extLst>
+      <p:ext uri="{BB962C8B-B14F-4D97-AF65-F5344CB8AC3E}">
+        <p14:creationId xmlns:p14="http://schemas.microsoft.com/office/powerpoint/2010/main" val="323014367"/>
+      </p:ext>
+    </p:extLst>
+  </p:cSld>
+  <p:clrMapOvr>
+    <a:masterClrMapping/>
+  </p:clrMapOvr>
+</p:sld>
+</file>
+
+<file path=ppt/slides/slide16.xml><?xml version="1.0" encoding="utf-8"?>
+<p:sld xmlns:a="http://schemas.openxmlformats.org/drawingml/2006/main" xmlns:r="http://schemas.openxmlformats.org/officeDocument/2006/relationships" xmlns:p="http://schemas.openxmlformats.org/presentationml/2006/main">
+  <p:cSld>
+    <p:spTree>
+      <p:nvGrpSpPr>
+        <p:cNvPr id="1" name=""/>
+        <p:cNvGrpSpPr/>
+        <p:nvPr/>
+      </p:nvGrpSpPr>
+      <p:grpSpPr>
+        <a:xfrm>
+          <a:off x="0" y="0"/>
+          <a:ext cx="0" cy="0"/>
+          <a:chOff x="0" y="0"/>
+          <a:chExt cx="0" cy="0"/>
+        </a:xfrm>
+      </p:grpSpPr>
+      <p:sp>
+        <p:nvSpPr>
+          <p:cNvPr id="2" name="Title 1">
+            <a:extLst>
+              <a:ext uri="{FF2B5EF4-FFF2-40B4-BE49-F238E27FC236}">
+                <a16:creationId xmlns:a16="http://schemas.microsoft.com/office/drawing/2014/main" id="{DE2AC116-8F08-47DC-897D-B95EB1302352}"/>
+              </a:ext>
+            </a:extLst>
+          </p:cNvPr>
+          <p:cNvSpPr>
+            <a:spLocks noGrp="1"/>
+          </p:cNvSpPr>
+          <p:nvPr>
+            <p:ph type="title"/>
+          </p:nvPr>
+        </p:nvSpPr>
+        <p:spPr/>
+        <p:txBody>
+          <a:bodyPr/>
+          <a:lstStyle/>
+          <a:p>
+            <a:endParaRPr lang="en-SG"/>
+          </a:p>
+        </p:txBody>
+      </p:sp>
+      <p:sp>
+        <p:nvSpPr>
+          <p:cNvPr id="3" name="Content Placeholder 2">
+            <a:extLst>
+              <a:ext uri="{FF2B5EF4-FFF2-40B4-BE49-F238E27FC236}">
+                <a16:creationId xmlns:a16="http://schemas.microsoft.com/office/drawing/2014/main" id="{89627378-AB15-4965-8D32-44EC3C88B76D}"/>
+              </a:ext>
+            </a:extLst>
+          </p:cNvPr>
+          <p:cNvSpPr>
+            <a:spLocks noGrp="1"/>
+          </p:cNvSpPr>
+          <p:nvPr>
+            <p:ph idx="1"/>
+          </p:nvPr>
+        </p:nvSpPr>
+        <p:spPr/>
+        <p:txBody>
+          <a:bodyPr/>
+          <a:lstStyle/>
+          <a:p>
+            <a:endParaRPr lang="en-SG"/>
+          </a:p>
+        </p:txBody>
+      </p:sp>
+      <p:pic>
+        <p:nvPicPr>
+          <p:cNvPr id="5" name="Picture 4">
+            <a:extLst>
+              <a:ext uri="{FF2B5EF4-FFF2-40B4-BE49-F238E27FC236}">
+                <a16:creationId xmlns:a16="http://schemas.microsoft.com/office/drawing/2014/main" id="{997D9BA3-EE92-47F1-A759-EA8EF86BC02E}"/>
+              </a:ext>
+            </a:extLst>
+          </p:cNvPr>
+          <p:cNvPicPr>
+            <a:picLocks noChangeAspect="1"/>
+          </p:cNvPicPr>
+          <p:nvPr/>
+        </p:nvPicPr>
+        <p:blipFill>
+          <a:blip r:embed="rId2"/>
+          <a:stretch>
+            <a:fillRect/>
+          </a:stretch>
+        </p:blipFill>
+        <p:spPr>
+          <a:xfrm>
+            <a:off x="0" y="709513"/>
+            <a:ext cx="4572000" cy="1324173"/>
+          </a:xfrm>
+          <a:prstGeom prst="rect">
+            <a:avLst/>
+          </a:prstGeom>
+        </p:spPr>
+      </p:pic>
+    </p:spTree>
+    <p:extLst>
+      <p:ext uri="{BB962C8B-B14F-4D97-AF65-F5344CB8AC3E}">
+        <p14:creationId xmlns:p14="http://schemas.microsoft.com/office/powerpoint/2010/main" val="2627554738"/>
+      </p:ext>
+    </p:extLst>
+  </p:cSld>
+  <p:clrMapOvr>
+    <a:masterClrMapping/>
+  </p:clrMapOvr>
+</p:sld>
+</file>
+
 <file path=ppt/slides/slide2.xml><?xml version="1.0" encoding="utf-8"?>
 <p:sld xmlns:a="http://schemas.openxmlformats.org/drawingml/2006/main" xmlns:r="http://schemas.openxmlformats.org/officeDocument/2006/relationships" xmlns:p="http://schemas.openxmlformats.org/presentationml/2006/main">
   <p:cSld>

--- a/resources/gifs/SPR_animations.pptx
+++ b/resources/gifs/SPR_animations.pptx
@@ -21,6 +21,7 @@
     <p:sldId id="270" r:id="rId15"/>
     <p:sldId id="271" r:id="rId16"/>
     <p:sldId id="272" r:id="rId17"/>
+    <p:sldId id="273" r:id="rId18"/>
   </p:sldIdLst>
   <p:sldSz cx="4572000" cy="2743200"/>
   <p:notesSz cx="6858000" cy="9144000"/>
@@ -258,7 +259,7 @@
           <a:p>
             <a:fld id="{6B1BD8BE-0EBB-42AB-B32B-93F697908886}" type="datetimeFigureOut">
               <a:rPr lang="en-US" smtClean="0"/>
-              <a:t>2/15/2022</a:t>
+              <a:t>2/17/2022</a:t>
             </a:fld>
             <a:endParaRPr lang="en-US"/>
           </a:p>
@@ -428,7 +429,7 @@
           <a:p>
             <a:fld id="{6B1BD8BE-0EBB-42AB-B32B-93F697908886}" type="datetimeFigureOut">
               <a:rPr lang="en-US" smtClean="0"/>
-              <a:t>2/15/2022</a:t>
+              <a:t>2/17/2022</a:t>
             </a:fld>
             <a:endParaRPr lang="en-US"/>
           </a:p>
@@ -608,7 +609,7 @@
           <a:p>
             <a:fld id="{6B1BD8BE-0EBB-42AB-B32B-93F697908886}" type="datetimeFigureOut">
               <a:rPr lang="en-US" smtClean="0"/>
-              <a:t>2/15/2022</a:t>
+              <a:t>2/17/2022</a:t>
             </a:fld>
             <a:endParaRPr lang="en-US"/>
           </a:p>
@@ -778,7 +779,7 @@
           <a:p>
             <a:fld id="{6B1BD8BE-0EBB-42AB-B32B-93F697908886}" type="datetimeFigureOut">
               <a:rPr lang="en-US" smtClean="0"/>
-              <a:t>2/15/2022</a:t>
+              <a:t>2/17/2022</a:t>
             </a:fld>
             <a:endParaRPr lang="en-US"/>
           </a:p>
@@ -1024,7 +1025,7 @@
           <a:p>
             <a:fld id="{6B1BD8BE-0EBB-42AB-B32B-93F697908886}" type="datetimeFigureOut">
               <a:rPr lang="en-US" smtClean="0"/>
-              <a:t>2/15/2022</a:t>
+              <a:t>2/17/2022</a:t>
             </a:fld>
             <a:endParaRPr lang="en-US"/>
           </a:p>
@@ -1256,7 +1257,7 @@
           <a:p>
             <a:fld id="{6B1BD8BE-0EBB-42AB-B32B-93F697908886}" type="datetimeFigureOut">
               <a:rPr lang="en-US" smtClean="0"/>
-              <a:t>2/15/2022</a:t>
+              <a:t>2/17/2022</a:t>
             </a:fld>
             <a:endParaRPr lang="en-US"/>
           </a:p>
@@ -1623,7 +1624,7 @@
           <a:p>
             <a:fld id="{6B1BD8BE-0EBB-42AB-B32B-93F697908886}" type="datetimeFigureOut">
               <a:rPr lang="en-US" smtClean="0"/>
-              <a:t>2/15/2022</a:t>
+              <a:t>2/17/2022</a:t>
             </a:fld>
             <a:endParaRPr lang="en-US"/>
           </a:p>
@@ -1741,7 +1742,7 @@
           <a:p>
             <a:fld id="{6B1BD8BE-0EBB-42AB-B32B-93F697908886}" type="datetimeFigureOut">
               <a:rPr lang="en-US" smtClean="0"/>
-              <a:t>2/15/2022</a:t>
+              <a:t>2/17/2022</a:t>
             </a:fld>
             <a:endParaRPr lang="en-US"/>
           </a:p>
@@ -1836,7 +1837,7 @@
           <a:p>
             <a:fld id="{6B1BD8BE-0EBB-42AB-B32B-93F697908886}" type="datetimeFigureOut">
               <a:rPr lang="en-US" smtClean="0"/>
-              <a:t>2/15/2022</a:t>
+              <a:t>2/17/2022</a:t>
             </a:fld>
             <a:endParaRPr lang="en-US"/>
           </a:p>
@@ -2113,7 +2114,7 @@
           <a:p>
             <a:fld id="{6B1BD8BE-0EBB-42AB-B32B-93F697908886}" type="datetimeFigureOut">
               <a:rPr lang="en-US" smtClean="0"/>
-              <a:t>2/15/2022</a:t>
+              <a:t>2/17/2022</a:t>
             </a:fld>
             <a:endParaRPr lang="en-US"/>
           </a:p>
@@ -2370,7 +2371,7 @@
           <a:p>
             <a:fld id="{6B1BD8BE-0EBB-42AB-B32B-93F697908886}" type="datetimeFigureOut">
               <a:rPr lang="en-US" smtClean="0"/>
-              <a:t>2/15/2022</a:t>
+              <a:t>2/17/2022</a:t>
             </a:fld>
             <a:endParaRPr lang="en-US"/>
           </a:p>
@@ -2583,7 +2584,7 @@
           <a:p>
             <a:fld id="{6B1BD8BE-0EBB-42AB-B32B-93F697908886}" type="datetimeFigureOut">
               <a:rPr lang="en-US" smtClean="0"/>
-              <a:t>2/15/2022</a:t>
+              <a:t>2/17/2022</a:t>
             </a:fld>
             <a:endParaRPr lang="en-US"/>
           </a:p>
@@ -4757,10 +4758,10 @@
       </p:sp>
       <p:pic>
         <p:nvPicPr>
-          <p:cNvPr id="7" name="Picture 6">
-            <a:extLst>
-              <a:ext uri="{FF2B5EF4-FFF2-40B4-BE49-F238E27FC236}">
-                <a16:creationId xmlns:a16="http://schemas.microsoft.com/office/drawing/2014/main" id="{C35B81A4-21E2-4AEE-9D6B-9E4C44A453E0}"/>
+          <p:cNvPr id="9" name="Picture 8">
+            <a:extLst>
+              <a:ext uri="{FF2B5EF4-FFF2-40B4-BE49-F238E27FC236}">
+                <a16:creationId xmlns:a16="http://schemas.microsoft.com/office/drawing/2014/main" id="{91145C4B-9461-41B5-A524-9D548BBFE7F7}"/>
               </a:ext>
             </a:extLst>
           </p:cNvPr>
@@ -4769,46 +4770,15 @@
           </p:cNvPicPr>
           <p:nvPr/>
         </p:nvPicPr>
-        <p:blipFill>
+        <p:blipFill rotWithShape="1">
           <a:blip r:embed="rId2"/>
-          <a:stretch>
-            <a:fillRect/>
-          </a:stretch>
+          <a:srcRect l="510" r="4336" b="1336"/>
+          <a:stretch/>
         </p:blipFill>
         <p:spPr>
           <a:xfrm>
-            <a:off x="-32368" y="1312405"/>
-            <a:ext cx="4572000" cy="1323879"/>
-          </a:xfrm>
-          <a:prstGeom prst="rect">
-            <a:avLst/>
-          </a:prstGeom>
-        </p:spPr>
-      </p:pic>
-      <p:pic>
-        <p:nvPicPr>
-          <p:cNvPr id="8" name="Picture 7">
-            <a:extLst>
-              <a:ext uri="{FF2B5EF4-FFF2-40B4-BE49-F238E27FC236}">
-                <a16:creationId xmlns:a16="http://schemas.microsoft.com/office/drawing/2014/main" id="{D6BD42EA-E303-4F1B-B4D6-254775D75439}"/>
-              </a:ext>
-            </a:extLst>
-          </p:cNvPr>
-          <p:cNvPicPr>
-            <a:picLocks noChangeAspect="1"/>
-          </p:cNvPicPr>
-          <p:nvPr/>
-        </p:nvPicPr>
-        <p:blipFill>
-          <a:blip r:embed="rId3"/>
-          <a:stretch>
-            <a:fillRect/>
-          </a:stretch>
-        </p:blipFill>
-        <p:spPr>
-          <a:xfrm>
-            <a:off x="0" y="-48651"/>
-            <a:ext cx="4572000" cy="1449852"/>
+            <a:off x="0" y="142435"/>
+            <a:ext cx="4576046" cy="1374232"/>
           </a:xfrm>
           <a:prstGeom prst="rect">
             <a:avLst/>
@@ -4850,7 +4820,7 @@
           <p:cNvPr id="2" name="Title 1">
             <a:extLst>
               <a:ext uri="{FF2B5EF4-FFF2-40B4-BE49-F238E27FC236}">
-                <a16:creationId xmlns:a16="http://schemas.microsoft.com/office/drawing/2014/main" id="{DE2AC116-8F08-47DC-897D-B95EB1302352}"/>
+                <a16:creationId xmlns:a16="http://schemas.microsoft.com/office/drawing/2014/main" id="{0A57CD36-C4DA-4C87-9AD5-C6C3B864DD74}"/>
               </a:ext>
             </a:extLst>
           </p:cNvPr>
@@ -4875,7 +4845,7 @@
           <p:cNvPr id="3" name="Content Placeholder 2">
             <a:extLst>
               <a:ext uri="{FF2B5EF4-FFF2-40B4-BE49-F238E27FC236}">
-                <a16:creationId xmlns:a16="http://schemas.microsoft.com/office/drawing/2014/main" id="{89627378-AB15-4965-8D32-44EC3C88B76D}"/>
+                <a16:creationId xmlns:a16="http://schemas.microsoft.com/office/drawing/2014/main" id="{9873E0F2-DCA3-4AF6-8709-8C6FDFA832E9}"/>
               </a:ext>
             </a:extLst>
           </p:cNvPr>
@@ -4897,10 +4867,10 @@
       </p:sp>
       <p:pic>
         <p:nvPicPr>
-          <p:cNvPr id="5" name="Picture 4">
-            <a:extLst>
-              <a:ext uri="{FF2B5EF4-FFF2-40B4-BE49-F238E27FC236}">
-                <a16:creationId xmlns:a16="http://schemas.microsoft.com/office/drawing/2014/main" id="{997D9BA3-EE92-47F1-A759-EA8EF86BC02E}"/>
+          <p:cNvPr id="8" name="Picture 7">
+            <a:extLst>
+              <a:ext uri="{FF2B5EF4-FFF2-40B4-BE49-F238E27FC236}">
+                <a16:creationId xmlns:a16="http://schemas.microsoft.com/office/drawing/2014/main" id="{D6BD42EA-E303-4F1B-B4D6-254775D75439}"/>
               </a:ext>
             </a:extLst>
           </p:cNvPr>
@@ -4909,16 +4879,15 @@
           </p:cNvPicPr>
           <p:nvPr/>
         </p:nvPicPr>
-        <p:blipFill>
+        <p:blipFill rotWithShape="1">
           <a:blip r:embed="rId2"/>
-          <a:stretch>
-            <a:fillRect/>
-          </a:stretch>
+          <a:srcRect b="6302"/>
+          <a:stretch/>
         </p:blipFill>
         <p:spPr>
           <a:xfrm>
-            <a:off x="0" y="709513"/>
-            <a:ext cx="4572000" cy="1324173"/>
+            <a:off x="0" y="602758"/>
+            <a:ext cx="4572000" cy="1358488"/>
           </a:xfrm>
           <a:prstGeom prst="rect">
             <a:avLst/>
@@ -4928,7 +4897,116 @@
     </p:spTree>
     <p:extLst>
       <p:ext uri="{BB962C8B-B14F-4D97-AF65-F5344CB8AC3E}">
-        <p14:creationId xmlns:p14="http://schemas.microsoft.com/office/powerpoint/2010/main" val="2627554738"/>
+        <p14:creationId xmlns:p14="http://schemas.microsoft.com/office/powerpoint/2010/main" val="4209708556"/>
+      </p:ext>
+    </p:extLst>
+  </p:cSld>
+  <p:clrMapOvr>
+    <a:masterClrMapping/>
+  </p:clrMapOvr>
+</p:sld>
+</file>
+
+<file path=ppt/slides/slide17.xml><?xml version="1.0" encoding="utf-8"?>
+<p:sld xmlns:a="http://schemas.openxmlformats.org/drawingml/2006/main" xmlns:r="http://schemas.openxmlformats.org/officeDocument/2006/relationships" xmlns:p="http://schemas.openxmlformats.org/presentationml/2006/main">
+  <p:cSld>
+    <p:spTree>
+      <p:nvGrpSpPr>
+        <p:cNvPr id="1" name=""/>
+        <p:cNvGrpSpPr/>
+        <p:nvPr/>
+      </p:nvGrpSpPr>
+      <p:grpSpPr>
+        <a:xfrm>
+          <a:off x="0" y="0"/>
+          <a:ext cx="0" cy="0"/>
+          <a:chOff x="0" y="0"/>
+          <a:chExt cx="0" cy="0"/>
+        </a:xfrm>
+      </p:grpSpPr>
+      <p:sp>
+        <p:nvSpPr>
+          <p:cNvPr id="2" name="Title 1">
+            <a:extLst>
+              <a:ext uri="{FF2B5EF4-FFF2-40B4-BE49-F238E27FC236}">
+                <a16:creationId xmlns:a16="http://schemas.microsoft.com/office/drawing/2014/main" id="{0A57CD36-C4DA-4C87-9AD5-C6C3B864DD74}"/>
+              </a:ext>
+            </a:extLst>
+          </p:cNvPr>
+          <p:cNvSpPr>
+            <a:spLocks noGrp="1"/>
+          </p:cNvSpPr>
+          <p:nvPr>
+            <p:ph type="title"/>
+          </p:nvPr>
+        </p:nvSpPr>
+        <p:spPr/>
+        <p:txBody>
+          <a:bodyPr/>
+          <a:lstStyle/>
+          <a:p>
+            <a:endParaRPr lang="en-SG"/>
+          </a:p>
+        </p:txBody>
+      </p:sp>
+      <p:sp>
+        <p:nvSpPr>
+          <p:cNvPr id="3" name="Content Placeholder 2">
+            <a:extLst>
+              <a:ext uri="{FF2B5EF4-FFF2-40B4-BE49-F238E27FC236}">
+                <a16:creationId xmlns:a16="http://schemas.microsoft.com/office/drawing/2014/main" id="{9873E0F2-DCA3-4AF6-8709-8C6FDFA832E9}"/>
+              </a:ext>
+            </a:extLst>
+          </p:cNvPr>
+          <p:cNvSpPr>
+            <a:spLocks noGrp="1"/>
+          </p:cNvSpPr>
+          <p:nvPr>
+            <p:ph idx="1"/>
+          </p:nvPr>
+        </p:nvSpPr>
+        <p:spPr/>
+        <p:txBody>
+          <a:bodyPr/>
+          <a:lstStyle/>
+          <a:p>
+            <a:endParaRPr lang="en-SG"/>
+          </a:p>
+        </p:txBody>
+      </p:sp>
+      <p:pic>
+        <p:nvPicPr>
+          <p:cNvPr id="4" name="Picture 3">
+            <a:extLst>
+              <a:ext uri="{FF2B5EF4-FFF2-40B4-BE49-F238E27FC236}">
+                <a16:creationId xmlns:a16="http://schemas.microsoft.com/office/drawing/2014/main" id="{EBB378D9-63BD-490C-9849-007830BCF6B7}"/>
+              </a:ext>
+            </a:extLst>
+          </p:cNvPr>
+          <p:cNvPicPr>
+            <a:picLocks noChangeAspect="1"/>
+          </p:cNvPicPr>
+          <p:nvPr/>
+        </p:nvPicPr>
+        <p:blipFill rotWithShape="1">
+          <a:blip r:embed="rId2"/>
+          <a:srcRect l="2743" t="-3569" b="3301"/>
+          <a:stretch/>
+        </p:blipFill>
+        <p:spPr>
+          <a:xfrm>
+            <a:off x="1" y="1136931"/>
+            <a:ext cx="4576045" cy="1362101"/>
+          </a:xfrm>
+          <a:prstGeom prst="rect">
+            <a:avLst/>
+          </a:prstGeom>
+        </p:spPr>
+      </p:pic>
+    </p:spTree>
+    <p:extLst>
+      <p:ext uri="{BB962C8B-B14F-4D97-AF65-F5344CB8AC3E}">
+        <p14:creationId xmlns:p14="http://schemas.microsoft.com/office/powerpoint/2010/main" val="1143379782"/>
       </p:ext>
     </p:extLst>
   </p:cSld>
